--- a/BusinessDocuments/_W6_DFD.pptx
+++ b/BusinessDocuments/_W6_DFD.pptx
@@ -115,7 +115,7 @@
 <file path=ppt/revisionInfo.xml><?xml version="1.0" encoding="utf-8"?>
 <p1510:revInfo xmlns:a="http://schemas.openxmlformats.org/drawingml/2006/main" xmlns:r="http://schemas.openxmlformats.org/officeDocument/2006/relationships" xmlns:p1510="http://schemas.microsoft.com/office/powerpoint/2015/10/main">
   <p1510:revLst>
-    <p1510:client id="{F0638865-F0F2-4C06-B24A-2232928D4131}" v="3" dt="2020-03-08T04:26:21.022"/>
+    <p1510:client id="{F0638865-F0F2-4C06-B24A-2232928D4131}" v="15" dt="2020-03-10T22:20:05.432"/>
   </p1510:revLst>
 </p1510:revInfo>
 </file>
@@ -125,12 +125,12 @@
   <pc:docChgLst>
     <pc:chgData name="Anushree Khopkar" userId="e7a2e9c8e4ae374f" providerId="LiveId" clId="{F0638865-F0F2-4C06-B24A-2232928D4131}"/>
     <pc:docChg chg="undo custSel modSld">
-      <pc:chgData name="Anushree Khopkar" userId="e7a2e9c8e4ae374f" providerId="LiveId" clId="{F0638865-F0F2-4C06-B24A-2232928D4131}" dt="2020-03-08T04:26:31.045" v="74" actId="171"/>
+      <pc:chgData name="Anushree Khopkar" userId="e7a2e9c8e4ae374f" providerId="LiveId" clId="{F0638865-F0F2-4C06-B24A-2232928D4131}" dt="2020-03-10T22:20:37.852" v="221" actId="14100"/>
       <pc:docMkLst>
         <pc:docMk/>
       </pc:docMkLst>
       <pc:sldChg chg="addSp delSp modSp">
-        <pc:chgData name="Anushree Khopkar" userId="e7a2e9c8e4ae374f" providerId="LiveId" clId="{F0638865-F0F2-4C06-B24A-2232928D4131}" dt="2020-03-08T04:26:31.045" v="74" actId="171"/>
+        <pc:chgData name="Anushree Khopkar" userId="e7a2e9c8e4ae374f" providerId="LiveId" clId="{F0638865-F0F2-4C06-B24A-2232928D4131}" dt="2020-03-10T22:20:37.852" v="221" actId="14100"/>
         <pc:sldMkLst>
           <pc:docMk/>
           <pc:sldMk cId="1763591689" sldId="256"/>
@@ -144,7 +144,71 @@
           </ac:spMkLst>
         </pc:spChg>
         <pc:spChg chg="mod">
-          <ac:chgData name="Anushree Khopkar" userId="e7a2e9c8e4ae374f" providerId="LiveId" clId="{F0638865-F0F2-4C06-B24A-2232928D4131}" dt="2020-03-08T04:25:11.803" v="37" actId="1076"/>
+          <ac:chgData name="Anushree Khopkar" userId="e7a2e9c8e4ae374f" providerId="LiveId" clId="{F0638865-F0F2-4C06-B24A-2232928D4131}" dt="2020-03-10T22:13:35.472" v="118" actId="1076"/>
+          <ac:spMkLst>
+            <pc:docMk/>
+            <pc:sldMk cId="1763591689" sldId="256"/>
+            <ac:spMk id="7" creationId="{C6D0204C-9444-49FC-9EB5-9D6C7481CE8B}"/>
+          </ac:spMkLst>
+        </pc:spChg>
+        <pc:spChg chg="mod">
+          <ac:chgData name="Anushree Khopkar" userId="e7a2e9c8e4ae374f" providerId="LiveId" clId="{F0638865-F0F2-4C06-B24A-2232928D4131}" dt="2020-03-10T22:14:22.840" v="124" actId="1076"/>
+          <ac:spMkLst>
+            <pc:docMk/>
+            <pc:sldMk cId="1763591689" sldId="256"/>
+            <ac:spMk id="8" creationId="{E5C0E8F1-FA57-434E-9CBE-FEEBEBCA5EFF}"/>
+          </ac:spMkLst>
+        </pc:spChg>
+        <pc:spChg chg="mod">
+          <ac:chgData name="Anushree Khopkar" userId="e7a2e9c8e4ae374f" providerId="LiveId" clId="{F0638865-F0F2-4C06-B24A-2232928D4131}" dt="2020-03-10T22:11:50.634" v="99" actId="1076"/>
+          <ac:spMkLst>
+            <pc:docMk/>
+            <pc:sldMk cId="1763591689" sldId="256"/>
+            <ac:spMk id="9" creationId="{3EA20B35-552C-49B2-A86D-83EBB76B282E}"/>
+          </ac:spMkLst>
+        </pc:spChg>
+        <pc:spChg chg="mod">
+          <ac:chgData name="Anushree Khopkar" userId="e7a2e9c8e4ae374f" providerId="LiveId" clId="{F0638865-F0F2-4C06-B24A-2232928D4131}" dt="2020-03-10T22:11:01.017" v="85" actId="1076"/>
+          <ac:spMkLst>
+            <pc:docMk/>
+            <pc:sldMk cId="1763591689" sldId="256"/>
+            <ac:spMk id="10" creationId="{6121D1B4-892A-4A63-99EC-F905C1C0D421}"/>
+          </ac:spMkLst>
+        </pc:spChg>
+        <pc:spChg chg="mod">
+          <ac:chgData name="Anushree Khopkar" userId="e7a2e9c8e4ae374f" providerId="LiveId" clId="{F0638865-F0F2-4C06-B24A-2232928D4131}" dt="2020-03-10T22:14:26.318" v="125" actId="1076"/>
+          <ac:spMkLst>
+            <pc:docMk/>
+            <pc:sldMk cId="1763591689" sldId="256"/>
+            <ac:spMk id="11" creationId="{9D4E8A4C-53E5-496E-878D-43B7897931D8}"/>
+          </ac:spMkLst>
+        </pc:spChg>
+        <pc:spChg chg="mod">
+          <ac:chgData name="Anushree Khopkar" userId="e7a2e9c8e4ae374f" providerId="LiveId" clId="{F0638865-F0F2-4C06-B24A-2232928D4131}" dt="2020-03-10T22:12:37.479" v="108" actId="1076"/>
+          <ac:spMkLst>
+            <pc:docMk/>
+            <pc:sldMk cId="1763591689" sldId="256"/>
+            <ac:spMk id="12" creationId="{526DD71D-B0C4-4385-B71D-4281C7382EF8}"/>
+          </ac:spMkLst>
+        </pc:spChg>
+        <pc:spChg chg="mod">
+          <ac:chgData name="Anushree Khopkar" userId="e7a2e9c8e4ae374f" providerId="LiveId" clId="{F0638865-F0F2-4C06-B24A-2232928D4131}" dt="2020-03-10T22:15:34.074" v="135" actId="1076"/>
+          <ac:spMkLst>
+            <pc:docMk/>
+            <pc:sldMk cId="1763591689" sldId="256"/>
+            <ac:spMk id="14" creationId="{ED841FE8-7373-4614-94D5-7A1D0BB96164}"/>
+          </ac:spMkLst>
+        </pc:spChg>
+        <pc:spChg chg="mod">
+          <ac:chgData name="Anushree Khopkar" userId="e7a2e9c8e4ae374f" providerId="LiveId" clId="{F0638865-F0F2-4C06-B24A-2232928D4131}" dt="2020-03-10T22:15:37.579" v="136" actId="1076"/>
+          <ac:spMkLst>
+            <pc:docMk/>
+            <pc:sldMk cId="1763591689" sldId="256"/>
+            <ac:spMk id="15" creationId="{21B1037F-EEE6-44D8-8508-B109F58FB4E2}"/>
+          </ac:spMkLst>
+        </pc:spChg>
+        <pc:spChg chg="mod">
+          <ac:chgData name="Anushree Khopkar" userId="e7a2e9c8e4ae374f" providerId="LiveId" clId="{F0638865-F0F2-4C06-B24A-2232928D4131}" dt="2020-03-10T22:17:41.337" v="152" actId="1076"/>
           <ac:spMkLst>
             <pc:docMk/>
             <pc:sldMk cId="1763591689" sldId="256"/>
@@ -152,7 +216,7 @@
           </ac:spMkLst>
         </pc:spChg>
         <pc:spChg chg="mod">
-          <ac:chgData name="Anushree Khopkar" userId="e7a2e9c8e4ae374f" providerId="LiveId" clId="{F0638865-F0F2-4C06-B24A-2232928D4131}" dt="2020-03-08T04:25:05.777" v="36" actId="1076"/>
+          <ac:chgData name="Anushree Khopkar" userId="e7a2e9c8e4ae374f" providerId="LiveId" clId="{F0638865-F0F2-4C06-B24A-2232928D4131}" dt="2020-03-10T22:17:49.322" v="155" actId="1076"/>
           <ac:spMkLst>
             <pc:docMk/>
             <pc:sldMk cId="1763591689" sldId="256"/>
@@ -160,7 +224,7 @@
           </ac:spMkLst>
         </pc:spChg>
         <pc:spChg chg="add mod ord">
-          <ac:chgData name="Anushree Khopkar" userId="e7a2e9c8e4ae374f" providerId="LiveId" clId="{F0638865-F0F2-4C06-B24A-2232928D4131}" dt="2020-03-08T04:26:31.045" v="74" actId="171"/>
+          <ac:chgData name="Anushree Khopkar" userId="e7a2e9c8e4ae374f" providerId="LiveId" clId="{F0638865-F0F2-4C06-B24A-2232928D4131}" dt="2020-03-10T22:17:45.397" v="154" actId="1076"/>
           <ac:spMkLst>
             <pc:docMk/>
             <pc:sldMk cId="1763591689" sldId="256"/>
@@ -175,6 +239,14 @@
             <ac:spMk id="49" creationId="{232132F0-8B0F-4B39-B4AD-956C5D85475F}"/>
           </ac:spMkLst>
         </pc:spChg>
+        <pc:spChg chg="add mod">
+          <ac:chgData name="Anushree Khopkar" userId="e7a2e9c8e4ae374f" providerId="LiveId" clId="{F0638865-F0F2-4C06-B24A-2232928D4131}" dt="2020-03-10T22:18:54.923" v="186" actId="113"/>
+          <ac:spMkLst>
+            <pc:docMk/>
+            <pc:sldMk cId="1763591689" sldId="256"/>
+            <ac:spMk id="49" creationId="{D1E78628-35CD-414F-846D-616DF59BBC9D}"/>
+          </ac:spMkLst>
+        </pc:spChg>
         <pc:spChg chg="del">
           <ac:chgData name="Anushree Khopkar" userId="e7a2e9c8e4ae374f" providerId="LiveId" clId="{F0638865-F0F2-4C06-B24A-2232928D4131}" dt="2020-03-08T04:24:33.825" v="21" actId="478"/>
           <ac:spMkLst>
@@ -183,12 +255,44 @@
             <ac:spMk id="50" creationId="{3E54B2C3-10EF-4AB0-B8B4-E7B1B5BD91DD}"/>
           </ac:spMkLst>
         </pc:spChg>
-        <pc:spChg chg="mod">
-          <ac:chgData name="Anushree Khopkar" userId="e7a2e9c8e4ae374f" providerId="LiveId" clId="{F0638865-F0F2-4C06-B24A-2232928D4131}" dt="2020-03-08T04:25:48.426" v="42" actId="688"/>
+        <pc:spChg chg="add mod">
+          <ac:chgData name="Anushree Khopkar" userId="e7a2e9c8e4ae374f" providerId="LiveId" clId="{F0638865-F0F2-4C06-B24A-2232928D4131}" dt="2020-03-10T22:19:40.766" v="198" actId="1076"/>
+          <ac:spMkLst>
+            <pc:docMk/>
+            <pc:sldMk cId="1763591689" sldId="256"/>
+            <ac:spMk id="50" creationId="{990327BC-A2AD-4EC6-865B-FC4F913E3DEC}"/>
+          </ac:spMkLst>
+        </pc:spChg>
+        <pc:spChg chg="add mod">
+          <ac:chgData name="Anushree Khopkar" userId="e7a2e9c8e4ae374f" providerId="LiveId" clId="{F0638865-F0F2-4C06-B24A-2232928D4131}" dt="2020-03-10T22:20:23.745" v="220" actId="1076"/>
+          <ac:spMkLst>
+            <pc:docMk/>
+            <pc:sldMk cId="1763591689" sldId="256"/>
+            <ac:spMk id="52" creationId="{1E430AEE-EDA6-49CF-BDDF-566559725689}"/>
+          </ac:spMkLst>
+        </pc:spChg>
+        <pc:spChg chg="del">
+          <ac:chgData name="Anushree Khopkar" userId="e7a2e9c8e4ae374f" providerId="LiveId" clId="{F0638865-F0F2-4C06-B24A-2232928D4131}" dt="2020-03-10T22:14:56.447" v="132" actId="478"/>
+          <ac:spMkLst>
+            <pc:docMk/>
+            <pc:sldMk cId="1763591689" sldId="256"/>
+            <ac:spMk id="60" creationId="{F80C6D85-FA40-48F8-A543-C02290FB3B48}"/>
+          </ac:spMkLst>
+        </pc:spChg>
+        <pc:spChg chg="del mod">
+          <ac:chgData name="Anushree Khopkar" userId="e7a2e9c8e4ae374f" providerId="LiveId" clId="{F0638865-F0F2-4C06-B24A-2232928D4131}" dt="2020-03-10T22:16:00.635" v="143" actId="478"/>
           <ac:spMkLst>
             <pc:docMk/>
             <pc:sldMk cId="1763591689" sldId="256"/>
             <ac:spMk id="61" creationId="{3234AFAE-EF6A-4220-BA5D-6CD5A8E2172C}"/>
+          </ac:spMkLst>
+        </pc:spChg>
+        <pc:spChg chg="mod">
+          <ac:chgData name="Anushree Khopkar" userId="e7a2e9c8e4ae374f" providerId="LiveId" clId="{F0638865-F0F2-4C06-B24A-2232928D4131}" dt="2020-03-10T22:14:45.457" v="129" actId="1076"/>
+          <ac:spMkLst>
+            <pc:docMk/>
+            <pc:sldMk cId="1763591689" sldId="256"/>
+            <ac:spMk id="64" creationId="{1E441811-851F-4111-A5C2-F5E10DFC8523}"/>
           </ac:spMkLst>
         </pc:spChg>
         <pc:spChg chg="del mod">
@@ -224,11 +328,91 @@
           </ac:spMkLst>
         </pc:spChg>
         <pc:cxnChg chg="mod">
-          <ac:chgData name="Anushree Khopkar" userId="e7a2e9c8e4ae374f" providerId="LiveId" clId="{F0638865-F0F2-4C06-B24A-2232928D4131}" dt="2020-03-08T04:25:41.854" v="40" actId="14100"/>
+          <ac:chgData name="Anushree Khopkar" userId="e7a2e9c8e4ae374f" providerId="LiveId" clId="{F0638865-F0F2-4C06-B24A-2232928D4131}" dt="2020-03-10T22:14:35.170" v="127" actId="14100"/>
+          <ac:cxnSpMkLst>
+            <pc:docMk/>
+            <pc:sldMk cId="1763591689" sldId="256"/>
+            <ac:cxnSpMk id="19" creationId="{53CB1EFB-1091-4B21-A15C-D6A27994D68F}"/>
+          </ac:cxnSpMkLst>
+        </pc:cxnChg>
+        <pc:cxnChg chg="add del mod">
+          <ac:chgData name="Anushree Khopkar" userId="e7a2e9c8e4ae374f" providerId="LiveId" clId="{F0638865-F0F2-4C06-B24A-2232928D4131}" dt="2020-03-10T22:14:48.815" v="130" actId="478"/>
+          <ac:cxnSpMkLst>
+            <pc:docMk/>
+            <pc:sldMk cId="1763591689" sldId="256"/>
+            <ac:cxnSpMk id="21" creationId="{C9F5DD10-5841-4E6C-A7C1-D38C18EB5777}"/>
+          </ac:cxnSpMkLst>
+        </pc:cxnChg>
+        <pc:cxnChg chg="add del mod">
+          <ac:chgData name="Anushree Khopkar" userId="e7a2e9c8e4ae374f" providerId="LiveId" clId="{F0638865-F0F2-4C06-B24A-2232928D4131}" dt="2020-03-10T22:11:50.634" v="99" actId="1076"/>
+          <ac:cxnSpMkLst>
+            <pc:docMk/>
+            <pc:sldMk cId="1763591689" sldId="256"/>
+            <ac:cxnSpMk id="25" creationId="{5D731FFF-438C-44C1-988F-9991CEFF6D06}"/>
+          </ac:cxnSpMkLst>
+        </pc:cxnChg>
+        <pc:cxnChg chg="add del mod">
+          <ac:chgData name="Anushree Khopkar" userId="e7a2e9c8e4ae374f" providerId="LiveId" clId="{F0638865-F0F2-4C06-B24A-2232928D4131}" dt="2020-03-10T22:11:01.017" v="85" actId="1076"/>
+          <ac:cxnSpMkLst>
+            <pc:docMk/>
+            <pc:sldMk cId="1763591689" sldId="256"/>
+            <ac:cxnSpMk id="27" creationId="{3245E393-4D73-430E-BCC5-C60322EB4AC2}"/>
+          </ac:cxnSpMkLst>
+        </pc:cxnChg>
+        <pc:cxnChg chg="add del mod">
+          <ac:chgData name="Anushree Khopkar" userId="e7a2e9c8e4ae374f" providerId="LiveId" clId="{F0638865-F0F2-4C06-B24A-2232928D4131}" dt="2020-03-10T22:14:53.635" v="131" actId="478"/>
+          <ac:cxnSpMkLst>
+            <pc:docMk/>
+            <pc:sldMk cId="1763591689" sldId="256"/>
+            <ac:cxnSpMk id="29" creationId="{2C5C839F-ED3E-482C-A28C-419CC18C6715}"/>
+          </ac:cxnSpMkLst>
+        </pc:cxnChg>
+        <pc:cxnChg chg="del">
+          <ac:chgData name="Anushree Khopkar" userId="e7a2e9c8e4ae374f" providerId="LiveId" clId="{F0638865-F0F2-4C06-B24A-2232928D4131}" dt="2020-03-10T22:14:57.577" v="133" actId="478"/>
+          <ac:cxnSpMkLst>
+            <pc:docMk/>
+            <pc:sldMk cId="1763591689" sldId="256"/>
+            <ac:cxnSpMk id="31" creationId="{74B00C0B-69E2-446E-A8F9-1A4AA91B047D}"/>
+          </ac:cxnSpMkLst>
+        </pc:cxnChg>
+        <pc:cxnChg chg="add del mod">
+          <ac:chgData name="Anushree Khopkar" userId="e7a2e9c8e4ae374f" providerId="LiveId" clId="{F0638865-F0F2-4C06-B24A-2232928D4131}" dt="2020-03-10T22:17:58.453" v="157" actId="14100"/>
           <ac:cxnSpMkLst>
             <pc:docMk/>
             <pc:sldMk cId="1763591689" sldId="256"/>
             <ac:cxnSpMk id="33" creationId="{BAA0E5B5-8168-4DC3-B66F-E848A21F4A3E}"/>
+          </ac:cxnSpMkLst>
+        </pc:cxnChg>
+        <pc:cxnChg chg="add del mod">
+          <ac:chgData name="Anushree Khopkar" userId="e7a2e9c8e4ae374f" providerId="LiveId" clId="{F0638865-F0F2-4C06-B24A-2232928D4131}" dt="2020-03-10T22:13:45.148" v="121"/>
+          <ac:cxnSpMkLst>
+            <pc:docMk/>
+            <pc:sldMk cId="1763591689" sldId="256"/>
+            <ac:cxnSpMk id="34" creationId="{A23470BB-B4B4-4BBA-8C9A-8B70226BF00A}"/>
+          </ac:cxnSpMkLst>
+        </pc:cxnChg>
+        <pc:cxnChg chg="add mod">
+          <ac:chgData name="Anushree Khopkar" userId="e7a2e9c8e4ae374f" providerId="LiveId" clId="{F0638865-F0F2-4C06-B24A-2232928D4131}" dt="2020-03-10T22:15:48.209" v="138" actId="13822"/>
+          <ac:cxnSpMkLst>
+            <pc:docMk/>
+            <pc:sldMk cId="1763591689" sldId="256"/>
+            <ac:cxnSpMk id="37" creationId="{322DB15C-AE9F-4967-9455-08068AC8AADE}"/>
+          </ac:cxnSpMkLst>
+        </pc:cxnChg>
+        <pc:cxnChg chg="add del mod">
+          <ac:chgData name="Anushree Khopkar" userId="e7a2e9c8e4ae374f" providerId="LiveId" clId="{F0638865-F0F2-4C06-B24A-2232928D4131}" dt="2020-03-10T22:16:10.181" v="145" actId="11529"/>
+          <ac:cxnSpMkLst>
+            <pc:docMk/>
+            <pc:sldMk cId="1763591689" sldId="256"/>
+            <ac:cxnSpMk id="40" creationId="{C083EC45-3E62-4150-8D83-BDE914A83C8F}"/>
+          </ac:cxnSpMkLst>
+        </pc:cxnChg>
+        <pc:cxnChg chg="add mod">
+          <ac:chgData name="Anushree Khopkar" userId="e7a2e9c8e4ae374f" providerId="LiveId" clId="{F0638865-F0F2-4C06-B24A-2232928D4131}" dt="2020-03-10T22:17:41.337" v="152" actId="1076"/>
+          <ac:cxnSpMkLst>
+            <pc:docMk/>
+            <pc:sldMk cId="1763591689" sldId="256"/>
+            <ac:cxnSpMk id="42" creationId="{42FD284C-78C8-4A61-AA2E-93B517166AFF}"/>
           </ac:cxnSpMkLst>
         </pc:cxnChg>
         <pc:cxnChg chg="del">
@@ -253,6 +437,14 @@
             <pc:docMk/>
             <pc:sldMk cId="1763591689" sldId="256"/>
             <ac:cxnSpMk id="47" creationId="{8A0A3303-0944-4D44-A46B-68A87F0A6C5D}"/>
+          </ac:cxnSpMkLst>
+        </pc:cxnChg>
+        <pc:cxnChg chg="add mod">
+          <ac:chgData name="Anushree Khopkar" userId="e7a2e9c8e4ae374f" providerId="LiveId" clId="{F0638865-F0F2-4C06-B24A-2232928D4131}" dt="2020-03-10T22:20:37.852" v="221" actId="14100"/>
+          <ac:cxnSpMkLst>
+            <pc:docMk/>
+            <pc:sldMk cId="1763591689" sldId="256"/>
+            <ac:cxnSpMk id="48" creationId="{3C1EBCF5-EF3A-4E96-AB3C-E02F9341C53B}"/>
           </ac:cxnSpMkLst>
         </pc:cxnChg>
         <pc:cxnChg chg="del">
@@ -440,7 +632,7 @@
           <a:p>
             <a:fld id="{3C4DB73D-6F51-4DD3-9A15-3111AD43890D}" type="datetimeFigureOut">
               <a:rPr lang="en-US" smtClean="0"/>
-              <a:t>3/7/2020</a:t>
+              <a:t>3/10/2020</a:t>
             </a:fld>
             <a:endParaRPr lang="en-US"/>
           </a:p>
@@ -638,7 +830,7 @@
           <a:p>
             <a:fld id="{3C4DB73D-6F51-4DD3-9A15-3111AD43890D}" type="datetimeFigureOut">
               <a:rPr lang="en-US" smtClean="0"/>
-              <a:t>3/7/2020</a:t>
+              <a:t>3/10/2020</a:t>
             </a:fld>
             <a:endParaRPr lang="en-US"/>
           </a:p>
@@ -846,7 +1038,7 @@
           <a:p>
             <a:fld id="{3C4DB73D-6F51-4DD3-9A15-3111AD43890D}" type="datetimeFigureOut">
               <a:rPr lang="en-US" smtClean="0"/>
-              <a:t>3/7/2020</a:t>
+              <a:t>3/10/2020</a:t>
             </a:fld>
             <a:endParaRPr lang="en-US"/>
           </a:p>
@@ -1044,7 +1236,7 @@
           <a:p>
             <a:fld id="{3C4DB73D-6F51-4DD3-9A15-3111AD43890D}" type="datetimeFigureOut">
               <a:rPr lang="en-US" smtClean="0"/>
-              <a:t>3/7/2020</a:t>
+              <a:t>3/10/2020</a:t>
             </a:fld>
             <a:endParaRPr lang="en-US"/>
           </a:p>
@@ -1319,7 +1511,7 @@
           <a:p>
             <a:fld id="{3C4DB73D-6F51-4DD3-9A15-3111AD43890D}" type="datetimeFigureOut">
               <a:rPr lang="en-US" smtClean="0"/>
-              <a:t>3/7/2020</a:t>
+              <a:t>3/10/2020</a:t>
             </a:fld>
             <a:endParaRPr lang="en-US"/>
           </a:p>
@@ -1584,7 +1776,7 @@
           <a:p>
             <a:fld id="{3C4DB73D-6F51-4DD3-9A15-3111AD43890D}" type="datetimeFigureOut">
               <a:rPr lang="en-US" smtClean="0"/>
-              <a:t>3/7/2020</a:t>
+              <a:t>3/10/2020</a:t>
             </a:fld>
             <a:endParaRPr lang="en-US"/>
           </a:p>
@@ -1996,7 +2188,7 @@
           <a:p>
             <a:fld id="{3C4DB73D-6F51-4DD3-9A15-3111AD43890D}" type="datetimeFigureOut">
               <a:rPr lang="en-US" smtClean="0"/>
-              <a:t>3/7/2020</a:t>
+              <a:t>3/10/2020</a:t>
             </a:fld>
             <a:endParaRPr lang="en-US"/>
           </a:p>
@@ -2137,7 +2329,7 @@
           <a:p>
             <a:fld id="{3C4DB73D-6F51-4DD3-9A15-3111AD43890D}" type="datetimeFigureOut">
               <a:rPr lang="en-US" smtClean="0"/>
-              <a:t>3/7/2020</a:t>
+              <a:t>3/10/2020</a:t>
             </a:fld>
             <a:endParaRPr lang="en-US"/>
           </a:p>
@@ -2250,7 +2442,7 @@
           <a:p>
             <a:fld id="{3C4DB73D-6F51-4DD3-9A15-3111AD43890D}" type="datetimeFigureOut">
               <a:rPr lang="en-US" smtClean="0"/>
-              <a:t>3/7/2020</a:t>
+              <a:t>3/10/2020</a:t>
             </a:fld>
             <a:endParaRPr lang="en-US"/>
           </a:p>
@@ -2561,7 +2753,7 @@
           <a:p>
             <a:fld id="{3C4DB73D-6F51-4DD3-9A15-3111AD43890D}" type="datetimeFigureOut">
               <a:rPr lang="en-US" smtClean="0"/>
-              <a:t>3/7/2020</a:t>
+              <a:t>3/10/2020</a:t>
             </a:fld>
             <a:endParaRPr lang="en-US"/>
           </a:p>
@@ -2849,7 +3041,7 @@
           <a:p>
             <a:fld id="{3C4DB73D-6F51-4DD3-9A15-3111AD43890D}" type="datetimeFigureOut">
               <a:rPr lang="en-US" smtClean="0"/>
-              <a:t>3/7/2020</a:t>
+              <a:t>3/10/2020</a:t>
             </a:fld>
             <a:endParaRPr lang="en-US"/>
           </a:p>
@@ -3090,7 +3282,7 @@
           <a:p>
             <a:fld id="{3C4DB73D-6F51-4DD3-9A15-3111AD43890D}" type="datetimeFigureOut">
               <a:rPr lang="en-US" smtClean="0"/>
-              <a:t>3/7/2020</a:t>
+              <a:t>3/10/2020</a:t>
             </a:fld>
             <a:endParaRPr lang="en-US"/>
           </a:p>
@@ -3751,7 +3943,7 @@
         </p:nvSpPr>
         <p:spPr>
           <a:xfrm>
-            <a:off x="5171660" y="1156241"/>
+            <a:off x="7897469" y="1156241"/>
             <a:ext cx="1848678" cy="1143000"/>
           </a:xfrm>
           <a:prstGeom prst="ellipse">
@@ -3915,7 +4107,7 @@
         </p:nvSpPr>
         <p:spPr>
           <a:xfrm>
-            <a:off x="5486401" y="4162828"/>
+            <a:off x="8242852" y="1435354"/>
             <a:ext cx="1451113" cy="584775"/>
           </a:xfrm>
           <a:prstGeom prst="rect">
@@ -3952,7 +4144,7 @@
         </p:nvSpPr>
         <p:spPr>
           <a:xfrm>
-            <a:off x="5391976" y="1454840"/>
+            <a:off x="5409751" y="2885232"/>
             <a:ext cx="1451113" cy="584775"/>
           </a:xfrm>
           <a:prstGeom prst="rect">
@@ -3988,7 +4180,7 @@
         </p:nvSpPr>
         <p:spPr>
           <a:xfrm>
-            <a:off x="5277675" y="2811923"/>
+            <a:off x="5291760" y="4203507"/>
             <a:ext cx="1679713" cy="584775"/>
           </a:xfrm>
           <a:prstGeom prst="rect">
@@ -4024,7 +4216,7 @@
         </p:nvSpPr>
         <p:spPr>
           <a:xfrm>
-            <a:off x="5592417" y="5699274"/>
+            <a:off x="5520360" y="5743732"/>
             <a:ext cx="1451113" cy="584775"/>
           </a:xfrm>
           <a:prstGeom prst="rect">
@@ -4060,7 +4252,7 @@
         </p:nvSpPr>
         <p:spPr>
           <a:xfrm>
-            <a:off x="9544878" y="2580454"/>
+            <a:off x="9403193" y="4153919"/>
             <a:ext cx="1848678" cy="1143000"/>
           </a:xfrm>
           <a:prstGeom prst="ellipse">
@@ -4114,7 +4306,7 @@
         </p:nvSpPr>
         <p:spPr>
           <a:xfrm>
-            <a:off x="9657521" y="2859567"/>
+            <a:off x="9604099" y="4433031"/>
             <a:ext cx="1550505" cy="584775"/>
           </a:xfrm>
           <a:prstGeom prst="rect">
@@ -4147,14 +4339,13 @@
           </p:cNvPr>
           <p:cNvCxnSpPr>
             <a:cxnSpLocks/>
-            <a:endCxn id="8" idx="2"/>
           </p:cNvCxnSpPr>
           <p:nvPr/>
         </p:nvCxnSpPr>
         <p:spPr>
           <a:xfrm flipV="1">
-            <a:off x="2544417" y="1727741"/>
-            <a:ext cx="2627243" cy="1157492"/>
+            <a:off x="2544417" y="1534336"/>
+            <a:ext cx="5431737" cy="1302641"/>
           </a:xfrm>
           <a:prstGeom prst="straightConnector1">
             <a:avLst/>
@@ -4232,6 +4423,7 @@
             </a:extLst>
           </p:cNvPr>
           <p:cNvCxnSpPr>
+            <a:cxnSpLocks/>
             <a:endCxn id="9" idx="2"/>
           </p:cNvCxnSpPr>
           <p:nvPr/>
@@ -4273,6 +4465,7 @@
             </a:extLst>
           </p:cNvPr>
           <p:cNvCxnSpPr>
+            <a:cxnSpLocks/>
             <a:endCxn id="10" idx="2"/>
           </p:cNvCxnSpPr>
           <p:nvPr/>
@@ -4306,68 +4499,23 @@
       </p:cxnSp>
       <p:cxnSp>
         <p:nvCxnSpPr>
-          <p:cNvPr id="31" name="Straight Arrow Connector 30">
-            <a:extLst>
-              <a:ext uri="{FF2B5EF4-FFF2-40B4-BE49-F238E27FC236}">
-                <a16:creationId xmlns:a16="http://schemas.microsoft.com/office/drawing/2014/main" id="{74B00C0B-69E2-446E-A8F9-1A4AA91B047D}"/>
+          <p:cNvPr id="33" name="Straight Arrow Connector 32">
+            <a:extLst>
+              <a:ext uri="{FF2B5EF4-FFF2-40B4-BE49-F238E27FC236}">
+                <a16:creationId xmlns:a16="http://schemas.microsoft.com/office/drawing/2014/main" id="{BAA0E5B5-8168-4DC3-B66F-E848A21F4A3E}"/>
               </a:ext>
             </a:extLst>
           </p:cNvPr>
           <p:cNvCxnSpPr>
             <a:cxnSpLocks/>
-          </p:cNvCxnSpPr>
-          <p:nvPr/>
-        </p:nvCxnSpPr>
-        <p:spPr>
-          <a:xfrm>
-            <a:off x="6192079" y="5033353"/>
-            <a:ext cx="0" cy="424047"/>
-          </a:xfrm>
-          <a:prstGeom prst="straightConnector1">
-            <a:avLst/>
-          </a:prstGeom>
-          <a:ln w="19050">
-            <a:solidFill>
-              <a:schemeClr val="tx1"/>
-            </a:solidFill>
-            <a:tailEnd type="triangle"/>
-          </a:ln>
-        </p:spPr>
-        <p:style>
-          <a:lnRef idx="1">
-            <a:schemeClr val="accent1"/>
-          </a:lnRef>
-          <a:fillRef idx="0">
-            <a:schemeClr val="accent1"/>
-          </a:fillRef>
-          <a:effectRef idx="0">
-            <a:schemeClr val="accent1"/>
-          </a:effectRef>
-          <a:fontRef idx="minor">
-            <a:schemeClr val="tx1"/>
-          </a:fontRef>
-        </p:style>
-      </p:cxnSp>
-      <p:cxnSp>
-        <p:nvCxnSpPr>
-          <p:cNvPr id="33" name="Straight Arrow Connector 32">
-            <a:extLst>
-              <a:ext uri="{FF2B5EF4-FFF2-40B4-BE49-F238E27FC236}">
-                <a16:creationId xmlns:a16="http://schemas.microsoft.com/office/drawing/2014/main" id="{BAA0E5B5-8168-4DC3-B66F-E848A21F4A3E}"/>
-              </a:ext>
-            </a:extLst>
-          </p:cNvPr>
-          <p:cNvCxnSpPr>
-            <a:cxnSpLocks/>
-            <a:stCxn id="10" idx="6"/>
-            <a:endCxn id="16" idx="3"/>
+            <a:stCxn id="9" idx="7"/>
           </p:cNvCxnSpPr>
           <p:nvPr/>
         </p:nvCxnSpPr>
         <p:spPr>
           <a:xfrm flipV="1">
-            <a:off x="7176052" y="3556066"/>
-            <a:ext cx="2639559" cy="2435596"/>
+            <a:off x="6772797" y="2243477"/>
+            <a:ext cx="1747243" cy="1814264"/>
           </a:xfrm>
           <a:prstGeom prst="straightConnector1">
             <a:avLst/>
@@ -4428,10 +4576,44 @@
       </p:sp>
       <p:sp>
         <p:nvSpPr>
-          <p:cNvPr id="60" name="TextBox 59">
-            <a:extLst>
-              <a:ext uri="{FF2B5EF4-FFF2-40B4-BE49-F238E27FC236}">
-                <a16:creationId xmlns:a16="http://schemas.microsoft.com/office/drawing/2014/main" id="{F80C6D85-FA40-48F8-A543-C02290FB3B48}"/>
+          <p:cNvPr id="63" name="Rectangle 62">
+            <a:extLst>
+              <a:ext uri="{FF2B5EF4-FFF2-40B4-BE49-F238E27FC236}">
+                <a16:creationId xmlns:a16="http://schemas.microsoft.com/office/drawing/2014/main" id="{F3EE18A5-2657-436D-BF93-0DE772B6586A}"/>
+              </a:ext>
+            </a:extLst>
+          </p:cNvPr>
+          <p:cNvSpPr/>
+          <p:nvPr/>
+        </p:nvSpPr>
+        <p:spPr>
+          <a:xfrm rot="2437656">
+            <a:off x="3552930" y="4856836"/>
+            <a:ext cx="1726435" cy="369332"/>
+          </a:xfrm>
+          <a:prstGeom prst="rect">
+            <a:avLst/>
+          </a:prstGeom>
+        </p:spPr>
+        <p:txBody>
+          <a:bodyPr wrap="none">
+            <a:spAutoFit/>
+          </a:bodyPr>
+          <a:lstStyle/>
+          <a:p>
+            <a:r>
+              <a:rPr lang="en-US" dirty="0"/>
+              <a:t>User Credentials</a:t>
+            </a:r>
+          </a:p>
+        </p:txBody>
+      </p:sp>
+      <p:sp>
+        <p:nvSpPr>
+          <p:cNvPr id="64" name="TextBox 63">
+            <a:extLst>
+              <a:ext uri="{FF2B5EF4-FFF2-40B4-BE49-F238E27FC236}">
+                <a16:creationId xmlns:a16="http://schemas.microsoft.com/office/drawing/2014/main" id="{1E441811-851F-4111-A5C2-F5E10DFC8523}"/>
               </a:ext>
             </a:extLst>
           </p:cNvPr>
@@ -4439,9 +4621,9 @@
           <p:nvPr/>
         </p:nvSpPr>
         <p:spPr>
-          <a:xfrm>
-            <a:off x="6168884" y="5033353"/>
-            <a:ext cx="1577007" cy="338554"/>
+          <a:xfrm rot="20720560">
+            <a:off x="3690184" y="1878637"/>
+            <a:ext cx="2362466" cy="369332"/>
           </a:xfrm>
           <a:prstGeom prst="rect">
             <a:avLst/>
@@ -4455,18 +4637,18 @@
           <a:lstStyle/>
           <a:p>
             <a:r>
-              <a:rPr lang="en-US" sz="1600" dirty="0"/>
-              <a:t>User Credentials</a:t>
-            </a:r>
-          </a:p>
-        </p:txBody>
-      </p:sp>
-      <p:sp>
-        <p:nvSpPr>
-          <p:cNvPr id="61" name="TextBox 60">
-            <a:extLst>
-              <a:ext uri="{FF2B5EF4-FFF2-40B4-BE49-F238E27FC236}">
-                <a16:creationId xmlns:a16="http://schemas.microsoft.com/office/drawing/2014/main" id="{3234AFAE-EF6A-4220-BA5D-6CD5A8E2172C}"/>
+              <a:rPr lang="en-US" dirty="0"/>
+              <a:t>User’s updated details</a:t>
+            </a:r>
+          </a:p>
+        </p:txBody>
+      </p:sp>
+      <p:sp>
+        <p:nvSpPr>
+          <p:cNvPr id="69" name="TextBox 68">
+            <a:extLst>
+              <a:ext uri="{FF2B5EF4-FFF2-40B4-BE49-F238E27FC236}">
+                <a16:creationId xmlns:a16="http://schemas.microsoft.com/office/drawing/2014/main" id="{07FA8976-5FBD-460C-8F23-0E6EDF29734F}"/>
               </a:ext>
             </a:extLst>
           </p:cNvPr>
@@ -4474,9 +4656,9 @@
           <p:nvPr/>
         </p:nvSpPr>
         <p:spPr>
-          <a:xfrm rot="19067157">
-            <a:off x="8012128" y="4562936"/>
-            <a:ext cx="1417978" cy="369332"/>
+          <a:xfrm>
+            <a:off x="2867598" y="159026"/>
+            <a:ext cx="6826367" cy="769441"/>
           </a:xfrm>
           <a:prstGeom prst="rect">
             <a:avLst/>
@@ -4489,53 +4671,28 @@
           </a:bodyPr>
           <a:lstStyle/>
           <a:p>
-            <a:r>
-              <a:rPr lang="en-US" dirty="0"/>
-              <a:t>User Data</a:t>
-            </a:r>
-          </a:p>
-        </p:txBody>
-      </p:sp>
-      <p:sp>
-        <p:nvSpPr>
-          <p:cNvPr id="63" name="Rectangle 62">
-            <a:extLst>
-              <a:ext uri="{FF2B5EF4-FFF2-40B4-BE49-F238E27FC236}">
-                <a16:creationId xmlns:a16="http://schemas.microsoft.com/office/drawing/2014/main" id="{F3EE18A5-2657-436D-BF93-0DE772B6586A}"/>
-              </a:ext>
-            </a:extLst>
-          </p:cNvPr>
-          <p:cNvSpPr/>
-          <p:nvPr/>
-        </p:nvSpPr>
-        <p:spPr>
-          <a:xfrm rot="2437656">
-            <a:off x="3552930" y="4856836"/>
-            <a:ext cx="1726435" cy="369332"/>
-          </a:xfrm>
-          <a:prstGeom prst="rect">
-            <a:avLst/>
-          </a:prstGeom>
-        </p:spPr>
-        <p:txBody>
-          <a:bodyPr wrap="none">
-            <a:spAutoFit/>
-          </a:bodyPr>
-          <a:lstStyle/>
-          <a:p>
-            <a:r>
-              <a:rPr lang="en-US" dirty="0"/>
-              <a:t>User Credentials</a:t>
-            </a:r>
-          </a:p>
-        </p:txBody>
-      </p:sp>
-      <p:sp>
-        <p:nvSpPr>
-          <p:cNvPr id="64" name="TextBox 63">
-            <a:extLst>
-              <a:ext uri="{FF2B5EF4-FFF2-40B4-BE49-F238E27FC236}">
-                <a16:creationId xmlns:a16="http://schemas.microsoft.com/office/drawing/2014/main" id="{1E441811-851F-4111-A5C2-F5E10DFC8523}"/>
+            <a:pPr algn="ctr"/>
+            <a:r>
+              <a:rPr lang="en-US" sz="2400" b="1" dirty="0"/>
+              <a:t>BundleBid</a:t>
+            </a:r>
+          </a:p>
+          <a:p>
+            <a:pPr algn="ctr"/>
+            <a:r>
+              <a:rPr lang="en-US" sz="2000" dirty="0"/>
+              <a:t>Data Flow Diagram (Logical)</a:t>
+            </a:r>
+            <a:endParaRPr lang="en-US" dirty="0"/>
+          </a:p>
+        </p:txBody>
+      </p:sp>
+      <p:sp>
+        <p:nvSpPr>
+          <p:cNvPr id="2" name="TextBox 1">
+            <a:extLst>
+              <a:ext uri="{FF2B5EF4-FFF2-40B4-BE49-F238E27FC236}">
+                <a16:creationId xmlns:a16="http://schemas.microsoft.com/office/drawing/2014/main" id="{CA2DBC77-3068-4702-8611-30381805D5DC}"/>
               </a:ext>
             </a:extLst>
           </p:cNvPr>
@@ -4543,9 +4700,9 @@
           <p:nvPr/>
         </p:nvSpPr>
         <p:spPr>
-          <a:xfrm rot="20218447">
-            <a:off x="2845719" y="1908298"/>
-            <a:ext cx="2362466" cy="369332"/>
+          <a:xfrm>
+            <a:off x="3041374" y="2885232"/>
+            <a:ext cx="2040834" cy="369332"/>
           </a:xfrm>
           <a:prstGeom prst="rect">
             <a:avLst/>
@@ -4560,17 +4717,143 @@
           <a:p>
             <a:r>
               <a:rPr lang="en-US" dirty="0"/>
-              <a:t>User’s updated details</a:t>
-            </a:r>
-          </a:p>
-        </p:txBody>
-      </p:sp>
-      <p:sp>
-        <p:nvSpPr>
-          <p:cNvPr id="69" name="TextBox 68">
-            <a:extLst>
-              <a:ext uri="{FF2B5EF4-FFF2-40B4-BE49-F238E27FC236}">
-                <a16:creationId xmlns:a16="http://schemas.microsoft.com/office/drawing/2014/main" id="{07FA8976-5FBD-460C-8F23-0E6EDF29734F}"/>
+              <a:t>User Credentials</a:t>
+            </a:r>
+          </a:p>
+        </p:txBody>
+      </p:sp>
+      <p:cxnSp>
+        <p:nvCxnSpPr>
+          <p:cNvPr id="37" name="Straight Arrow Connector 36">
+            <a:extLst>
+              <a:ext uri="{FF2B5EF4-FFF2-40B4-BE49-F238E27FC236}">
+                <a16:creationId xmlns:a16="http://schemas.microsoft.com/office/drawing/2014/main" id="{322DB15C-AE9F-4967-9455-08068AC8AADE}"/>
+              </a:ext>
+            </a:extLst>
+          </p:cNvPr>
+          <p:cNvCxnSpPr>
+            <a:stCxn id="7" idx="6"/>
+            <a:endCxn id="8" idx="3"/>
+          </p:cNvCxnSpPr>
+          <p:nvPr/>
+        </p:nvCxnSpPr>
+        <p:spPr>
+          <a:xfrm flipV="1">
+            <a:off x="7025308" y="2131853"/>
+            <a:ext cx="1142894" cy="962944"/>
+          </a:xfrm>
+          <a:prstGeom prst="straightConnector1">
+            <a:avLst/>
+          </a:prstGeom>
+          <a:ln>
+            <a:tailEnd type="triangle"/>
+          </a:ln>
+        </p:spPr>
+        <p:style>
+          <a:lnRef idx="1">
+            <a:schemeClr val="dk1"/>
+          </a:lnRef>
+          <a:fillRef idx="0">
+            <a:schemeClr val="dk1"/>
+          </a:fillRef>
+          <a:effectRef idx="0">
+            <a:schemeClr val="dk1"/>
+          </a:effectRef>
+          <a:fontRef idx="minor">
+            <a:schemeClr val="tx1"/>
+          </a:fontRef>
+        </p:style>
+      </p:cxnSp>
+      <p:cxnSp>
+        <p:nvCxnSpPr>
+          <p:cNvPr id="42" name="Straight Arrow Connector 41">
+            <a:extLst>
+              <a:ext uri="{FF2B5EF4-FFF2-40B4-BE49-F238E27FC236}">
+                <a16:creationId xmlns:a16="http://schemas.microsoft.com/office/drawing/2014/main" id="{42FD284C-78C8-4A61-AA2E-93B517166AFF}"/>
+              </a:ext>
+            </a:extLst>
+          </p:cNvPr>
+          <p:cNvCxnSpPr>
+            <a:stCxn id="10" idx="6"/>
+            <a:endCxn id="16" idx="3"/>
+          </p:cNvCxnSpPr>
+          <p:nvPr/>
+        </p:nvCxnSpPr>
+        <p:spPr>
+          <a:xfrm flipV="1">
+            <a:off x="7176052" y="5129531"/>
+            <a:ext cx="2497874" cy="862131"/>
+          </a:xfrm>
+          <a:prstGeom prst="straightConnector1">
+            <a:avLst/>
+          </a:prstGeom>
+          <a:ln>
+            <a:tailEnd type="triangle"/>
+          </a:ln>
+        </p:spPr>
+        <p:style>
+          <a:lnRef idx="1">
+            <a:schemeClr val="dk1"/>
+          </a:lnRef>
+          <a:fillRef idx="0">
+            <a:schemeClr val="dk1"/>
+          </a:fillRef>
+          <a:effectRef idx="0">
+            <a:schemeClr val="dk1"/>
+          </a:effectRef>
+          <a:fontRef idx="minor">
+            <a:schemeClr val="tx1"/>
+          </a:fontRef>
+        </p:style>
+      </p:cxnSp>
+      <p:cxnSp>
+        <p:nvCxnSpPr>
+          <p:cNvPr id="48" name="Straight Arrow Connector 47">
+            <a:extLst>
+              <a:ext uri="{FF2B5EF4-FFF2-40B4-BE49-F238E27FC236}">
+                <a16:creationId xmlns:a16="http://schemas.microsoft.com/office/drawing/2014/main" id="{3C1EBCF5-EF3A-4E96-AB3C-E02F9341C53B}"/>
+              </a:ext>
+            </a:extLst>
+          </p:cNvPr>
+          <p:cNvCxnSpPr>
+            <a:cxnSpLocks/>
+            <a:endCxn id="10" idx="7"/>
+          </p:cNvCxnSpPr>
+          <p:nvPr/>
+        </p:nvCxnSpPr>
+        <p:spPr>
+          <a:xfrm flipH="1">
+            <a:off x="6905319" y="2290888"/>
+            <a:ext cx="2208316" cy="3296662"/>
+          </a:xfrm>
+          <a:prstGeom prst="straightConnector1">
+            <a:avLst/>
+          </a:prstGeom>
+          <a:ln>
+            <a:tailEnd type="triangle"/>
+          </a:ln>
+        </p:spPr>
+        <p:style>
+          <a:lnRef idx="1">
+            <a:schemeClr val="dk1"/>
+          </a:lnRef>
+          <a:fillRef idx="0">
+            <a:schemeClr val="dk1"/>
+          </a:fillRef>
+          <a:effectRef idx="0">
+            <a:schemeClr val="dk1"/>
+          </a:effectRef>
+          <a:fontRef idx="minor">
+            <a:schemeClr val="tx1"/>
+          </a:fontRef>
+        </p:style>
+      </p:cxnSp>
+      <p:sp>
+        <p:nvSpPr>
+          <p:cNvPr id="49" name="TextBox 48">
+            <a:extLst>
+              <a:ext uri="{FF2B5EF4-FFF2-40B4-BE49-F238E27FC236}">
+                <a16:creationId xmlns:a16="http://schemas.microsoft.com/office/drawing/2014/main" id="{D1E78628-35CD-414F-846D-616DF59BBC9D}"/>
               </a:ext>
             </a:extLst>
           </p:cNvPr>
@@ -4578,9 +4861,9 @@
           <p:nvPr/>
         </p:nvSpPr>
         <p:spPr>
-          <a:xfrm>
-            <a:off x="2867598" y="159026"/>
-            <a:ext cx="6826367" cy="769441"/>
+          <a:xfrm rot="19325225">
+            <a:off x="6911395" y="2269784"/>
+            <a:ext cx="1168106" cy="461665"/>
           </a:xfrm>
           <a:prstGeom prst="rect">
             <a:avLst/>
@@ -4593,28 +4876,19 @@
           </a:bodyPr>
           <a:lstStyle/>
           <a:p>
-            <a:pPr algn="ctr"/>
-            <a:r>
-              <a:rPr lang="en-US" sz="2400" b="1" dirty="0"/>
-              <a:t>BundleBid</a:t>
-            </a:r>
-          </a:p>
-          <a:p>
-            <a:pPr algn="ctr"/>
-            <a:r>
-              <a:rPr lang="en-US" sz="2000" dirty="0"/>
-              <a:t>Data Flow Diagram (Logical)</a:t>
-            </a:r>
-            <a:endParaRPr lang="en-US" dirty="0"/>
-          </a:p>
-        </p:txBody>
-      </p:sp>
-      <p:sp>
-        <p:nvSpPr>
-          <p:cNvPr id="2" name="TextBox 1">
-            <a:extLst>
-              <a:ext uri="{FF2B5EF4-FFF2-40B4-BE49-F238E27FC236}">
-                <a16:creationId xmlns:a16="http://schemas.microsoft.com/office/drawing/2014/main" id="{CA2DBC77-3068-4702-8611-30381805D5DC}"/>
+            <a:r>
+              <a:rPr lang="en-US" sz="1200" b="1" dirty="0"/>
+              <a:t>User’s Updated data</a:t>
+            </a:r>
+          </a:p>
+        </p:txBody>
+      </p:sp>
+      <p:sp>
+        <p:nvSpPr>
+          <p:cNvPr id="50" name="TextBox 49">
+            <a:extLst>
+              <a:ext uri="{FF2B5EF4-FFF2-40B4-BE49-F238E27FC236}">
+                <a16:creationId xmlns:a16="http://schemas.microsoft.com/office/drawing/2014/main" id="{990327BC-A2AD-4EC6-865B-FC4F913E3DEC}"/>
               </a:ext>
             </a:extLst>
           </p:cNvPr>
@@ -4622,9 +4896,9 @@
           <p:nvPr/>
         </p:nvSpPr>
         <p:spPr>
-          <a:xfrm>
-            <a:off x="3041374" y="2885232"/>
-            <a:ext cx="2040834" cy="369332"/>
+          <a:xfrm rot="20335322">
+            <a:off x="7737627" y="5158233"/>
+            <a:ext cx="1747243" cy="369332"/>
           </a:xfrm>
           <a:prstGeom prst="rect">
             <a:avLst/>
@@ -4639,7 +4913,42 @@
           <a:p>
             <a:r>
               <a:rPr lang="en-US" dirty="0"/>
-              <a:t>User Credentials</a:t>
+              <a:t>User Data</a:t>
+            </a:r>
+          </a:p>
+        </p:txBody>
+      </p:sp>
+      <p:sp>
+        <p:nvSpPr>
+          <p:cNvPr id="52" name="TextBox 51">
+            <a:extLst>
+              <a:ext uri="{FF2B5EF4-FFF2-40B4-BE49-F238E27FC236}">
+                <a16:creationId xmlns:a16="http://schemas.microsoft.com/office/drawing/2014/main" id="{1E430AEE-EDA6-49CF-BDDF-566559725689}"/>
+              </a:ext>
+            </a:extLst>
+          </p:cNvPr>
+          <p:cNvSpPr txBox="1"/>
+          <p:nvPr/>
+        </p:nvSpPr>
+        <p:spPr>
+          <a:xfrm rot="18178400">
+            <a:off x="7053051" y="3566084"/>
+            <a:ext cx="1879024" cy="369332"/>
+          </a:xfrm>
+          <a:prstGeom prst="rect">
+            <a:avLst/>
+          </a:prstGeom>
+          <a:noFill/>
+        </p:spPr>
+        <p:txBody>
+          <a:bodyPr wrap="square" rtlCol="0">
+            <a:spAutoFit/>
+          </a:bodyPr>
+          <a:lstStyle/>
+          <a:p>
+            <a:r>
+              <a:rPr lang="en-US" dirty="0"/>
+              <a:t>User’s Credential</a:t>
             </a:r>
           </a:p>
         </p:txBody>

--- a/BusinessDocuments/_W6_DFD.pptx
+++ b/BusinessDocuments/_W6_DFD.pptx
@@ -115,6 +115,7 @@
 <file path=ppt/revisionInfo.xml><?xml version="1.0" encoding="utf-8"?>
 <p1510:revInfo xmlns:a="http://schemas.openxmlformats.org/drawingml/2006/main" xmlns:r="http://schemas.openxmlformats.org/officeDocument/2006/relationships" xmlns:p1510="http://schemas.microsoft.com/office/powerpoint/2015/10/main">
   <p1510:revLst>
+    <p1510:client id="{7201D5DF-2978-42AA-A3B5-8B645F0DFF0A}" v="3" dt="2020-03-10T22:44:58.022"/>
     <p1510:client id="{F0638865-F0F2-4C06-B24A-2232928D4131}" v="15" dt="2020-03-10T22:20:05.432"/>
   </p1510:revLst>
 </p1510:revInfo>
@@ -122,6 +123,206 @@
 
 <file path=ppt/changesInfos/changesInfo1.xml><?xml version="1.0" encoding="utf-8"?>
 <pc:chgInfo xmlns:a="http://schemas.openxmlformats.org/drawingml/2006/main" xmlns:r="http://schemas.openxmlformats.org/officeDocument/2006/relationships" xmlns:ac="http://schemas.microsoft.com/office/drawing/2013/main/command" xmlns:pc="http://schemas.microsoft.com/office/powerpoint/2013/main/command">
+  <pc:docChgLst>
+    <pc:chgData name="Anushree Khopkar" userId="e7a2e9c8e4ae374f" providerId="LiveId" clId="{7201D5DF-2978-42AA-A3B5-8B645F0DFF0A}"/>
+    <pc:docChg chg="undo custSel modSld">
+      <pc:chgData name="Anushree Khopkar" userId="e7a2e9c8e4ae374f" providerId="LiveId" clId="{7201D5DF-2978-42AA-A3B5-8B645F0DFF0A}" dt="2020-03-10T22:51:16.820" v="149" actId="1076"/>
+      <pc:docMkLst>
+        <pc:docMk/>
+      </pc:docMkLst>
+      <pc:sldChg chg="addSp delSp modSp">
+        <pc:chgData name="Anushree Khopkar" userId="e7a2e9c8e4ae374f" providerId="LiveId" clId="{7201D5DF-2978-42AA-A3B5-8B645F0DFF0A}" dt="2020-03-10T22:51:16.820" v="149" actId="1076"/>
+        <pc:sldMkLst>
+          <pc:docMk/>
+          <pc:sldMk cId="1763591689" sldId="256"/>
+        </pc:sldMkLst>
+        <pc:spChg chg="mod">
+          <ac:chgData name="Anushree Khopkar" userId="e7a2e9c8e4ae374f" providerId="LiveId" clId="{7201D5DF-2978-42AA-A3B5-8B645F0DFF0A}" dt="2020-03-10T22:50:49.159" v="145" actId="1076"/>
+          <ac:spMkLst>
+            <pc:docMk/>
+            <pc:sldMk cId="1763591689" sldId="256"/>
+            <ac:spMk id="2" creationId="{CA2DBC77-3068-4702-8611-30381805D5DC}"/>
+          </ac:spMkLst>
+        </pc:spChg>
+        <pc:spChg chg="mod">
+          <ac:chgData name="Anushree Khopkar" userId="e7a2e9c8e4ae374f" providerId="LiveId" clId="{7201D5DF-2978-42AA-A3B5-8B645F0DFF0A}" dt="2020-03-10T22:48:44.813" v="121" actId="1076"/>
+          <ac:spMkLst>
+            <pc:docMk/>
+            <pc:sldMk cId="1763591689" sldId="256"/>
+            <ac:spMk id="8" creationId="{E5C0E8F1-FA57-434E-9CBE-FEEBEBCA5EFF}"/>
+          </ac:spMkLst>
+        </pc:spChg>
+        <pc:spChg chg="mod">
+          <ac:chgData name="Anushree Khopkar" userId="e7a2e9c8e4ae374f" providerId="LiveId" clId="{7201D5DF-2978-42AA-A3B5-8B645F0DFF0A}" dt="2020-03-10T22:41:56.075" v="13" actId="1076"/>
+          <ac:spMkLst>
+            <pc:docMk/>
+            <pc:sldMk cId="1763591689" sldId="256"/>
+            <ac:spMk id="11" creationId="{9D4E8A4C-53E5-496E-878D-43B7897931D8}"/>
+          </ac:spMkLst>
+        </pc:spChg>
+        <pc:spChg chg="mod">
+          <ac:chgData name="Anushree Khopkar" userId="e7a2e9c8e4ae374f" providerId="LiveId" clId="{7201D5DF-2978-42AA-A3B5-8B645F0DFF0A}" dt="2020-03-10T22:41:51.713" v="12" actId="1076"/>
+          <ac:spMkLst>
+            <pc:docMk/>
+            <pc:sldMk cId="1763591689" sldId="256"/>
+            <ac:spMk id="12" creationId="{526DD71D-B0C4-4385-B71D-4281C7382EF8}"/>
+          </ac:spMkLst>
+        </pc:spChg>
+        <pc:spChg chg="mod">
+          <ac:chgData name="Anushree Khopkar" userId="e7a2e9c8e4ae374f" providerId="LiveId" clId="{7201D5DF-2978-42AA-A3B5-8B645F0DFF0A}" dt="2020-03-10T22:41:44.582" v="11" actId="1076"/>
+          <ac:spMkLst>
+            <pc:docMk/>
+            <pc:sldMk cId="1763591689" sldId="256"/>
+            <ac:spMk id="14" creationId="{ED841FE8-7373-4614-94D5-7A1D0BB96164}"/>
+          </ac:spMkLst>
+        </pc:spChg>
+        <pc:spChg chg="mod">
+          <ac:chgData name="Anushree Khopkar" userId="e7a2e9c8e4ae374f" providerId="LiveId" clId="{7201D5DF-2978-42AA-A3B5-8B645F0DFF0A}" dt="2020-03-10T22:49:24.937" v="129" actId="1076"/>
+          <ac:spMkLst>
+            <pc:docMk/>
+            <pc:sldMk cId="1763591689" sldId="256"/>
+            <ac:spMk id="15" creationId="{21B1037F-EEE6-44D8-8508-B109F58FB4E2}"/>
+          </ac:spMkLst>
+        </pc:spChg>
+        <pc:spChg chg="mod">
+          <ac:chgData name="Anushree Khopkar" userId="e7a2e9c8e4ae374f" providerId="LiveId" clId="{7201D5DF-2978-42AA-A3B5-8B645F0DFF0A}" dt="2020-03-10T22:51:04.480" v="147" actId="1076"/>
+          <ac:spMkLst>
+            <pc:docMk/>
+            <pc:sldMk cId="1763591689" sldId="256"/>
+            <ac:spMk id="16" creationId="{F818C34F-ECC0-415C-A57D-E80D6ED93981}"/>
+          </ac:spMkLst>
+        </pc:spChg>
+        <pc:spChg chg="mod">
+          <ac:chgData name="Anushree Khopkar" userId="e7a2e9c8e4ae374f" providerId="LiveId" clId="{7201D5DF-2978-42AA-A3B5-8B645F0DFF0A}" dt="2020-03-10T22:51:10.664" v="148" actId="1076"/>
+          <ac:spMkLst>
+            <pc:docMk/>
+            <pc:sldMk cId="1763591689" sldId="256"/>
+            <ac:spMk id="17" creationId="{53BCEC37-4424-48B4-8609-616C586D7D77}"/>
+          </ac:spMkLst>
+        </pc:spChg>
+        <pc:spChg chg="add mod">
+          <ac:chgData name="Anushree Khopkar" userId="e7a2e9c8e4ae374f" providerId="LiveId" clId="{7201D5DF-2978-42AA-A3B5-8B645F0DFF0A}" dt="2020-03-10T22:49:16.979" v="128" actId="1076"/>
+          <ac:spMkLst>
+            <pc:docMk/>
+            <pc:sldMk cId="1763591689" sldId="256"/>
+            <ac:spMk id="21" creationId="{F3162575-86B9-4DD4-8F4A-724126E721DB}"/>
+          </ac:spMkLst>
+        </pc:spChg>
+        <pc:spChg chg="mod">
+          <ac:chgData name="Anushree Khopkar" userId="e7a2e9c8e4ae374f" providerId="LiveId" clId="{7201D5DF-2978-42AA-A3B5-8B645F0DFF0A}" dt="2020-03-10T22:45:39.471" v="107" actId="1076"/>
+          <ac:spMkLst>
+            <pc:docMk/>
+            <pc:sldMk cId="1763591689" sldId="256"/>
+            <ac:spMk id="22" creationId="{FFF23B3C-53F2-4ED5-9550-2CD150BFB0BD}"/>
+          </ac:spMkLst>
+        </pc:spChg>
+        <pc:spChg chg="add mod">
+          <ac:chgData name="Anushree Khopkar" userId="e7a2e9c8e4ae374f" providerId="LiveId" clId="{7201D5DF-2978-42AA-A3B5-8B645F0DFF0A}" dt="2020-03-10T22:50:19.326" v="139" actId="688"/>
+          <ac:spMkLst>
+            <pc:docMk/>
+            <pc:sldMk cId="1763591689" sldId="256"/>
+            <ac:spMk id="36" creationId="{13B76215-9745-42ED-A44E-9CE7AAC984F4}"/>
+          </ac:spMkLst>
+        </pc:spChg>
+        <pc:spChg chg="mod">
+          <ac:chgData name="Anushree Khopkar" userId="e7a2e9c8e4ae374f" providerId="LiveId" clId="{7201D5DF-2978-42AA-A3B5-8B645F0DFF0A}" dt="2020-03-10T22:50:09.177" v="137" actId="688"/>
+          <ac:spMkLst>
+            <pc:docMk/>
+            <pc:sldMk cId="1763591689" sldId="256"/>
+            <ac:spMk id="49" creationId="{D1E78628-35CD-414F-846D-616DF59BBC9D}"/>
+          </ac:spMkLst>
+        </pc:spChg>
+        <pc:spChg chg="del mod">
+          <ac:chgData name="Anushree Khopkar" userId="e7a2e9c8e4ae374f" providerId="LiveId" clId="{7201D5DF-2978-42AA-A3B5-8B645F0DFF0A}" dt="2020-03-10T22:44:17.786" v="83" actId="478"/>
+          <ac:spMkLst>
+            <pc:docMk/>
+            <pc:sldMk cId="1763591689" sldId="256"/>
+            <ac:spMk id="50" creationId="{990327BC-A2AD-4EC6-865B-FC4F913E3DEC}"/>
+          </ac:spMkLst>
+        </pc:spChg>
+        <pc:spChg chg="mod">
+          <ac:chgData name="Anushree Khopkar" userId="e7a2e9c8e4ae374f" providerId="LiveId" clId="{7201D5DF-2978-42AA-A3B5-8B645F0DFF0A}" dt="2020-03-10T22:50:41.521" v="143" actId="1076"/>
+          <ac:spMkLst>
+            <pc:docMk/>
+            <pc:sldMk cId="1763591689" sldId="256"/>
+            <ac:spMk id="52" creationId="{1E430AEE-EDA6-49CF-BDDF-566559725689}"/>
+          </ac:spMkLst>
+        </pc:spChg>
+        <pc:spChg chg="mod">
+          <ac:chgData name="Anushree Khopkar" userId="e7a2e9c8e4ae374f" providerId="LiveId" clId="{7201D5DF-2978-42AA-A3B5-8B645F0DFF0A}" dt="2020-03-10T22:46:56.153" v="120" actId="1076"/>
+          <ac:spMkLst>
+            <pc:docMk/>
+            <pc:sldMk cId="1763591689" sldId="256"/>
+            <ac:spMk id="59" creationId="{A98F08C4-EF10-4AA8-B11B-3C88F20A2643}"/>
+          </ac:spMkLst>
+        </pc:spChg>
+        <pc:spChg chg="mod">
+          <ac:chgData name="Anushree Khopkar" userId="e7a2e9c8e4ae374f" providerId="LiveId" clId="{7201D5DF-2978-42AA-A3B5-8B645F0DFF0A}" dt="2020-03-10T22:46:44.408" v="117" actId="1076"/>
+          <ac:spMkLst>
+            <pc:docMk/>
+            <pc:sldMk cId="1763591689" sldId="256"/>
+            <ac:spMk id="64" creationId="{1E441811-851F-4111-A5C2-F5E10DFC8523}"/>
+          </ac:spMkLst>
+        </pc:spChg>
+        <pc:spChg chg="mod">
+          <ac:chgData name="Anushree Khopkar" userId="e7a2e9c8e4ae374f" providerId="LiveId" clId="{7201D5DF-2978-42AA-A3B5-8B645F0DFF0A}" dt="2020-03-10T22:50:50.405" v="146" actId="1076"/>
+          <ac:spMkLst>
+            <pc:docMk/>
+            <pc:sldMk cId="1763591689" sldId="256"/>
+            <ac:spMk id="69" creationId="{07FA8976-5FBD-460C-8F23-0E6EDF29734F}"/>
+          </ac:spMkLst>
+        </pc:spChg>
+        <pc:cxnChg chg="mod">
+          <ac:chgData name="Anushree Khopkar" userId="e7a2e9c8e4ae374f" providerId="LiveId" clId="{7201D5DF-2978-42AA-A3B5-8B645F0DFF0A}" dt="2020-03-10T22:49:30.841" v="130" actId="14100"/>
+          <ac:cxnSpMkLst>
+            <pc:docMk/>
+            <pc:sldMk cId="1763591689" sldId="256"/>
+            <ac:cxnSpMk id="19" creationId="{53CB1EFB-1091-4B21-A15C-D6A27994D68F}"/>
+          </ac:cxnSpMkLst>
+        </pc:cxnChg>
+        <pc:cxnChg chg="add mod">
+          <ac:chgData name="Anushree Khopkar" userId="e7a2e9c8e4ae374f" providerId="LiveId" clId="{7201D5DF-2978-42AA-A3B5-8B645F0DFF0A}" dt="2020-03-10T22:51:16.820" v="149" actId="1076"/>
+          <ac:cxnSpMkLst>
+            <pc:docMk/>
+            <pc:sldMk cId="1763591689" sldId="256"/>
+            <ac:cxnSpMk id="20" creationId="{2EC670D3-C869-44C4-B8D9-DF59C215F54B}"/>
+          </ac:cxnSpMkLst>
+        </pc:cxnChg>
+        <pc:cxnChg chg="mod">
+          <ac:chgData name="Anushree Khopkar" userId="e7a2e9c8e4ae374f" providerId="LiveId" clId="{7201D5DF-2978-42AA-A3B5-8B645F0DFF0A}" dt="2020-03-10T22:50:14.327" v="138" actId="14100"/>
+          <ac:cxnSpMkLst>
+            <pc:docMk/>
+            <pc:sldMk cId="1763591689" sldId="256"/>
+            <ac:cxnSpMk id="33" creationId="{BAA0E5B5-8168-4DC3-B66F-E848A21F4A3E}"/>
+          </ac:cxnSpMkLst>
+        </pc:cxnChg>
+        <pc:cxnChg chg="mod">
+          <ac:chgData name="Anushree Khopkar" userId="e7a2e9c8e4ae374f" providerId="LiveId" clId="{7201D5DF-2978-42AA-A3B5-8B645F0DFF0A}" dt="2020-03-10T22:50:05.781" v="136" actId="14100"/>
+          <ac:cxnSpMkLst>
+            <pc:docMk/>
+            <pc:sldMk cId="1763591689" sldId="256"/>
+            <ac:cxnSpMk id="37" creationId="{322DB15C-AE9F-4967-9455-08068AC8AADE}"/>
+          </ac:cxnSpMkLst>
+        </pc:cxnChg>
+        <pc:cxnChg chg="del mod">
+          <ac:chgData name="Anushree Khopkar" userId="e7a2e9c8e4ae374f" providerId="LiveId" clId="{7201D5DF-2978-42AA-A3B5-8B645F0DFF0A}" dt="2020-03-10T22:44:19.562" v="84" actId="478"/>
+          <ac:cxnSpMkLst>
+            <pc:docMk/>
+            <pc:sldMk cId="1763591689" sldId="256"/>
+            <ac:cxnSpMk id="42" creationId="{42FD284C-78C8-4A61-AA2E-93B517166AFF}"/>
+          </ac:cxnSpMkLst>
+        </pc:cxnChg>
+        <pc:cxnChg chg="mod">
+          <ac:chgData name="Anushree Khopkar" userId="e7a2e9c8e4ae374f" providerId="LiveId" clId="{7201D5DF-2978-42AA-A3B5-8B645F0DFF0A}" dt="2020-03-10T22:50:37.197" v="142" actId="14100"/>
+          <ac:cxnSpMkLst>
+            <pc:docMk/>
+            <pc:sldMk cId="1763591689" sldId="256"/>
+            <ac:cxnSpMk id="48" creationId="{3C1EBCF5-EF3A-4E96-AB3C-E02F9341C53B}"/>
+          </ac:cxnSpMkLst>
+        </pc:cxnChg>
+      </pc:sldChg>
+    </pc:docChg>
+  </pc:docChgLst>
   <pc:docChgLst>
     <pc:chgData name="Anushree Khopkar" userId="e7a2e9c8e4ae374f" providerId="LiveId" clId="{F0638865-F0F2-4C06-B24A-2232928D4131}"/>
     <pc:docChg chg="undo custSel modSld">
@@ -3943,7 +4144,7 @@
         </p:nvSpPr>
         <p:spPr>
           <a:xfrm>
-            <a:off x="7897469" y="1156241"/>
+            <a:off x="9045789" y="1207579"/>
             <a:ext cx="1848678" cy="1143000"/>
           </a:xfrm>
           <a:prstGeom prst="ellipse">
@@ -4107,7 +4308,7 @@
         </p:nvSpPr>
         <p:spPr>
           <a:xfrm>
-            <a:off x="8242852" y="1435354"/>
+            <a:off x="5331371" y="2797048"/>
             <a:ext cx="1451113" cy="584775"/>
           </a:xfrm>
           <a:prstGeom prst="rect">
@@ -4144,7 +4345,7 @@
         </p:nvSpPr>
         <p:spPr>
           <a:xfrm>
-            <a:off x="5409751" y="2885232"/>
+            <a:off x="5384222" y="4188889"/>
             <a:ext cx="1451113" cy="584775"/>
           </a:xfrm>
           <a:prstGeom prst="rect">
@@ -4180,7 +4381,7 @@
         </p:nvSpPr>
         <p:spPr>
           <a:xfrm>
-            <a:off x="5291760" y="4203507"/>
+            <a:off x="5360972" y="5699935"/>
             <a:ext cx="1679713" cy="584775"/>
           </a:xfrm>
           <a:prstGeom prst="rect">
@@ -4216,7 +4417,7 @@
         </p:nvSpPr>
         <p:spPr>
           <a:xfrm>
-            <a:off x="5520360" y="5743732"/>
+            <a:off x="9216338" y="1533172"/>
             <a:ext cx="1451113" cy="584775"/>
           </a:xfrm>
           <a:prstGeom prst="rect">
@@ -4252,7 +4453,7 @@
         </p:nvSpPr>
         <p:spPr>
           <a:xfrm>
-            <a:off x="9403193" y="4153919"/>
+            <a:off x="9193667" y="4170388"/>
             <a:ext cx="1848678" cy="1143000"/>
           </a:xfrm>
           <a:prstGeom prst="ellipse">
@@ -4306,7 +4507,7 @@
         </p:nvSpPr>
         <p:spPr>
           <a:xfrm>
-            <a:off x="9604099" y="4433031"/>
+            <a:off x="9372063" y="4434048"/>
             <a:ext cx="1550505" cy="584775"/>
           </a:xfrm>
           <a:prstGeom prst="rect">
@@ -4344,8 +4545,8 @@
         </p:nvCxnSpPr>
         <p:spPr>
           <a:xfrm flipV="1">
-            <a:off x="2544417" y="1534336"/>
-            <a:ext cx="5431737" cy="1302641"/>
+            <a:off x="2544417" y="1528735"/>
+            <a:ext cx="6589710" cy="1308243"/>
           </a:xfrm>
           <a:prstGeom prst="straightConnector1">
             <a:avLst/>
@@ -4508,14 +4709,13 @@
           </p:cNvPr>
           <p:cNvCxnSpPr>
             <a:cxnSpLocks/>
-            <a:stCxn id="9" idx="7"/>
           </p:cNvCxnSpPr>
           <p:nvPr/>
         </p:nvCxnSpPr>
         <p:spPr>
-          <a:xfrm flipV="1">
-            <a:off x="6772797" y="2243477"/>
-            <a:ext cx="1747243" cy="1814264"/>
+          <a:xfrm flipH="1">
+            <a:off x="6892824" y="2019697"/>
+            <a:ext cx="2256653" cy="2152792"/>
           </a:xfrm>
           <a:prstGeom prst="straightConnector1">
             <a:avLst/>
@@ -4552,8 +4752,8 @@
           <p:nvPr/>
         </p:nvSpPr>
         <p:spPr>
-          <a:xfrm rot="1307871">
-            <a:off x="3500605" y="3891930"/>
+          <a:xfrm>
+            <a:off x="3117829" y="2877839"/>
             <a:ext cx="2198192" cy="369332"/>
           </a:xfrm>
           <a:prstGeom prst="rect">
@@ -4621,8 +4821,8 @@
           <p:nvPr/>
         </p:nvSpPr>
         <p:spPr>
-          <a:xfrm rot="20720560">
-            <a:off x="3690184" y="1878637"/>
+          <a:xfrm rot="1387532">
+            <a:off x="2975944" y="3688769"/>
             <a:ext cx="2362466" cy="369332"/>
           </a:xfrm>
           <a:prstGeom prst="rect">
@@ -4657,7 +4857,7 @@
         </p:nvSpPr>
         <p:spPr>
           <a:xfrm>
-            <a:off x="2867598" y="159026"/>
+            <a:off x="2867598" y="119270"/>
             <a:ext cx="6826367" cy="769441"/>
           </a:xfrm>
           <a:prstGeom prst="rect">
@@ -4700,8 +4900,8 @@
           <p:nvPr/>
         </p:nvSpPr>
         <p:spPr>
-          <a:xfrm>
-            <a:off x="3041374" y="2885232"/>
+          <a:xfrm rot="20949600">
+            <a:off x="4186428" y="1916353"/>
             <a:ext cx="2040834" cy="369332"/>
           </a:xfrm>
           <a:prstGeom prst="rect">
@@ -4732,57 +4932,15 @@
             </a:extLst>
           </p:cNvPr>
           <p:cNvCxnSpPr>
-            <a:stCxn id="7" idx="6"/>
-            <a:endCxn id="8" idx="3"/>
+            <a:cxnSpLocks/>
+            <a:endCxn id="8" idx="2"/>
           </p:cNvCxnSpPr>
           <p:nvPr/>
         </p:nvCxnSpPr>
         <p:spPr>
           <a:xfrm flipV="1">
-            <a:off x="7025308" y="2131853"/>
-            <a:ext cx="1142894" cy="962944"/>
-          </a:xfrm>
-          <a:prstGeom prst="straightConnector1">
-            <a:avLst/>
-          </a:prstGeom>
-          <a:ln>
-            <a:tailEnd type="triangle"/>
-          </a:ln>
-        </p:spPr>
-        <p:style>
-          <a:lnRef idx="1">
-            <a:schemeClr val="dk1"/>
-          </a:lnRef>
-          <a:fillRef idx="0">
-            <a:schemeClr val="dk1"/>
-          </a:fillRef>
-          <a:effectRef idx="0">
-            <a:schemeClr val="dk1"/>
-          </a:effectRef>
-          <a:fontRef idx="minor">
-            <a:schemeClr val="tx1"/>
-          </a:fontRef>
-        </p:style>
-      </p:cxnSp>
-      <p:cxnSp>
-        <p:nvCxnSpPr>
-          <p:cNvPr id="42" name="Straight Arrow Connector 41">
-            <a:extLst>
-              <a:ext uri="{FF2B5EF4-FFF2-40B4-BE49-F238E27FC236}">
-                <a16:creationId xmlns:a16="http://schemas.microsoft.com/office/drawing/2014/main" id="{42FD284C-78C8-4A61-AA2E-93B517166AFF}"/>
-              </a:ext>
-            </a:extLst>
-          </p:cNvPr>
-          <p:cNvCxnSpPr>
-            <a:stCxn id="10" idx="6"/>
-            <a:endCxn id="16" idx="3"/>
-          </p:cNvCxnSpPr>
-          <p:nvPr/>
-        </p:nvCxnSpPr>
-        <p:spPr>
-          <a:xfrm flipV="1">
-            <a:off x="7176052" y="5129531"/>
-            <a:ext cx="2497874" cy="862131"/>
+            <a:off x="7008871" y="1779079"/>
+            <a:ext cx="2036918" cy="1213078"/>
           </a:xfrm>
           <a:prstGeom prst="straightConnector1">
             <a:avLst/>
@@ -4823,8 +4981,8 @@
         </p:nvCxnSpPr>
         <p:spPr>
           <a:xfrm flipH="1">
-            <a:off x="6905319" y="2290888"/>
-            <a:ext cx="2208316" cy="3296662"/>
+            <a:off x="6905319" y="2272845"/>
+            <a:ext cx="2630396" cy="3314705"/>
           </a:xfrm>
           <a:prstGeom prst="straightConnector1">
             <a:avLst/>
@@ -4861,9 +5019,9 @@
           <p:nvPr/>
         </p:nvSpPr>
         <p:spPr>
-          <a:xfrm rot="19325225">
-            <a:off x="6911395" y="2269784"/>
-            <a:ext cx="1168106" cy="461665"/>
+          <a:xfrm rot="19924871">
+            <a:off x="6793030" y="2240704"/>
+            <a:ext cx="1487354" cy="307777"/>
           </a:xfrm>
           <a:prstGeom prst="rect">
             <a:avLst/>
@@ -4877,18 +5035,25 @@
           <a:lstStyle/>
           <a:p>
             <a:r>
-              <a:rPr lang="en-US" sz="1200" b="1" dirty="0"/>
-              <a:t>User’s Updated data</a:t>
-            </a:r>
-          </a:p>
-        </p:txBody>
-      </p:sp>
-      <p:sp>
-        <p:nvSpPr>
-          <p:cNvPr id="50" name="TextBox 49">
-            <a:extLst>
-              <a:ext uri="{FF2B5EF4-FFF2-40B4-BE49-F238E27FC236}">
-                <a16:creationId xmlns:a16="http://schemas.microsoft.com/office/drawing/2014/main" id="{990327BC-A2AD-4EC6-865B-FC4F913E3DEC}"/>
+              <a:rPr lang="en-US" sz="1400" dirty="0">
+                <a:latin typeface="Arial" panose="020B0604020202020204" pitchFamily="34" charset="0"/>
+                <a:cs typeface="Arial" panose="020B0604020202020204" pitchFamily="34" charset="0"/>
+              </a:rPr>
+              <a:t>User Credential</a:t>
+            </a:r>
+            <a:endParaRPr lang="en-US" sz="1200" dirty="0">
+              <a:latin typeface="Arial" panose="020B0604020202020204" pitchFamily="34" charset="0"/>
+              <a:cs typeface="Arial" panose="020B0604020202020204" pitchFamily="34" charset="0"/>
+            </a:endParaRPr>
+          </a:p>
+        </p:txBody>
+      </p:sp>
+      <p:sp>
+        <p:nvSpPr>
+          <p:cNvPr id="52" name="TextBox 51">
+            <a:extLst>
+              <a:ext uri="{FF2B5EF4-FFF2-40B4-BE49-F238E27FC236}">
+                <a16:creationId xmlns:a16="http://schemas.microsoft.com/office/drawing/2014/main" id="{1E430AEE-EDA6-49CF-BDDF-566559725689}"/>
               </a:ext>
             </a:extLst>
           </p:cNvPr>
@@ -4896,43 +5061,8 @@
           <p:nvPr/>
         </p:nvSpPr>
         <p:spPr>
-          <a:xfrm rot="20335322">
-            <a:off x="7737627" y="5158233"/>
-            <a:ext cx="1747243" cy="369332"/>
-          </a:xfrm>
-          <a:prstGeom prst="rect">
-            <a:avLst/>
-          </a:prstGeom>
-          <a:noFill/>
-        </p:spPr>
-        <p:txBody>
-          <a:bodyPr wrap="square" rtlCol="0">
-            <a:spAutoFit/>
-          </a:bodyPr>
-          <a:lstStyle/>
-          <a:p>
-            <a:r>
-              <a:rPr lang="en-US" dirty="0"/>
-              <a:t>User Data</a:t>
-            </a:r>
-          </a:p>
-        </p:txBody>
-      </p:sp>
-      <p:sp>
-        <p:nvSpPr>
-          <p:cNvPr id="52" name="TextBox 51">
-            <a:extLst>
-              <a:ext uri="{FF2B5EF4-FFF2-40B4-BE49-F238E27FC236}">
-                <a16:creationId xmlns:a16="http://schemas.microsoft.com/office/drawing/2014/main" id="{1E430AEE-EDA6-49CF-BDDF-566559725689}"/>
-              </a:ext>
-            </a:extLst>
-          </p:cNvPr>
-          <p:cNvSpPr txBox="1"/>
-          <p:nvPr/>
-        </p:nvSpPr>
-        <p:spPr>
-          <a:xfrm rot="18178400">
-            <a:off x="7053051" y="3566084"/>
+          <a:xfrm rot="18448192">
+            <a:off x="7191519" y="3616720"/>
             <a:ext cx="1879024" cy="369332"/>
           </a:xfrm>
           <a:prstGeom prst="rect">
@@ -4949,6 +5079,117 @@
             <a:r>
               <a:rPr lang="en-US" dirty="0"/>
               <a:t>User’s Credential</a:t>
+            </a:r>
+          </a:p>
+        </p:txBody>
+      </p:sp>
+      <p:sp>
+        <p:nvSpPr>
+          <p:cNvPr id="36" name="TextBox 35">
+            <a:extLst>
+              <a:ext uri="{FF2B5EF4-FFF2-40B4-BE49-F238E27FC236}">
+                <a16:creationId xmlns:a16="http://schemas.microsoft.com/office/drawing/2014/main" id="{13B76215-9745-42ED-A44E-9CE7AAC984F4}"/>
+              </a:ext>
+            </a:extLst>
+          </p:cNvPr>
+          <p:cNvSpPr txBox="1"/>
+          <p:nvPr/>
+        </p:nvSpPr>
+        <p:spPr>
+          <a:xfrm rot="18935714">
+            <a:off x="6374752" y="3050221"/>
+            <a:ext cx="2241436" cy="369332"/>
+          </a:xfrm>
+          <a:prstGeom prst="rect">
+            <a:avLst/>
+          </a:prstGeom>
+          <a:noFill/>
+        </p:spPr>
+        <p:txBody>
+          <a:bodyPr wrap="square" rtlCol="0">
+            <a:spAutoFit/>
+          </a:bodyPr>
+          <a:lstStyle/>
+          <a:p>
+            <a:r>
+              <a:rPr lang="en-US" dirty="0"/>
+              <a:t>User’s updated Data</a:t>
+            </a:r>
+          </a:p>
+        </p:txBody>
+      </p:sp>
+      <p:cxnSp>
+        <p:nvCxnSpPr>
+          <p:cNvPr id="20" name="Straight Arrow Connector 19">
+            <a:extLst>
+              <a:ext uri="{FF2B5EF4-FFF2-40B4-BE49-F238E27FC236}">
+                <a16:creationId xmlns:a16="http://schemas.microsoft.com/office/drawing/2014/main" id="{2EC670D3-C869-44C4-B8D9-DF59C215F54B}"/>
+              </a:ext>
+            </a:extLst>
+          </p:cNvPr>
+          <p:cNvCxnSpPr>
+            <a:cxnSpLocks/>
+          </p:cNvCxnSpPr>
+          <p:nvPr/>
+        </p:nvCxnSpPr>
+        <p:spPr>
+          <a:xfrm>
+            <a:off x="9990084" y="2350579"/>
+            <a:ext cx="0" cy="1835597"/>
+          </a:xfrm>
+          <a:prstGeom prst="straightConnector1">
+            <a:avLst/>
+          </a:prstGeom>
+          <a:ln>
+            <a:tailEnd type="triangle"/>
+          </a:ln>
+        </p:spPr>
+        <p:style>
+          <a:lnRef idx="1">
+            <a:schemeClr val="dk1"/>
+          </a:lnRef>
+          <a:fillRef idx="0">
+            <a:schemeClr val="dk1"/>
+          </a:fillRef>
+          <a:effectRef idx="0">
+            <a:schemeClr val="dk1"/>
+          </a:effectRef>
+          <a:fontRef idx="minor">
+            <a:schemeClr val="tx1"/>
+          </a:fontRef>
+        </p:style>
+      </p:cxnSp>
+      <p:sp>
+        <p:nvSpPr>
+          <p:cNvPr id="21" name="TextBox 20">
+            <a:extLst>
+              <a:ext uri="{FF2B5EF4-FFF2-40B4-BE49-F238E27FC236}">
+                <a16:creationId xmlns:a16="http://schemas.microsoft.com/office/drawing/2014/main" id="{F3162575-86B9-4DD4-8F4A-724126E721DB}"/>
+              </a:ext>
+            </a:extLst>
+          </p:cNvPr>
+          <p:cNvSpPr txBox="1"/>
+          <p:nvPr/>
+        </p:nvSpPr>
+        <p:spPr>
+          <a:xfrm>
+            <a:off x="10147316" y="2981739"/>
+            <a:ext cx="1521249" cy="369332"/>
+          </a:xfrm>
+          <a:prstGeom prst="rect">
+            <a:avLst/>
+          </a:prstGeom>
+          <a:noFill/>
+        </p:spPr>
+        <p:txBody>
+          <a:bodyPr wrap="square" rtlCol="0">
+            <a:spAutoFit/>
+          </a:bodyPr>
+          <a:lstStyle/>
+          <a:p>
+            <a:r>
+              <a:rPr lang="en-US" dirty="0"/>
+              <a:t>User Data</a:t>
             </a:r>
           </a:p>
         </p:txBody>
